--- a/presentations/Summary.pptx
+++ b/presentations/Summary.pptx
@@ -299,7 +299,7 @@
           <a:p>
             <a:fld id="{F2853615-BFDE-46DE-814C-47EC6EF6D371}" type="datetimeFigureOut">
               <a:rPr lang="el-GR" smtClean="0"/>
-              <a:t>9/6/2018</a:t>
+              <a:t>14/6/2018</a:t>
             </a:fld>
             <a:endParaRPr lang="el-GR"/>
           </a:p>
@@ -499,7 +499,7 @@
           <a:p>
             <a:fld id="{F2853615-BFDE-46DE-814C-47EC6EF6D371}" type="datetimeFigureOut">
               <a:rPr lang="el-GR" smtClean="0"/>
-              <a:t>9/6/2018</a:t>
+              <a:t>14/6/2018</a:t>
             </a:fld>
             <a:endParaRPr lang="el-GR"/>
           </a:p>
@@ -674,7 +674,7 @@
           <a:p>
             <a:fld id="{F2853615-BFDE-46DE-814C-47EC6EF6D371}" type="datetimeFigureOut">
               <a:rPr lang="el-GR" smtClean="0"/>
-              <a:t>9/6/2018</a:t>
+              <a:t>14/6/2018</a:t>
             </a:fld>
             <a:endParaRPr lang="el-GR"/>
           </a:p>
@@ -839,7 +839,7 @@
           <a:p>
             <a:fld id="{F2853615-BFDE-46DE-814C-47EC6EF6D371}" type="datetimeFigureOut">
               <a:rPr lang="el-GR" smtClean="0"/>
-              <a:t>9/6/2018</a:t>
+              <a:t>14/6/2018</a:t>
             </a:fld>
             <a:endParaRPr lang="el-GR"/>
           </a:p>
@@ -978,7 +978,7 @@
           <a:p>
             <a:fld id="{F2853615-BFDE-46DE-814C-47EC6EF6D371}" type="datetimeFigureOut">
               <a:rPr lang="el-GR" smtClean="0"/>
-              <a:t>9/6/2018</a:t>
+              <a:t>14/6/2018</a:t>
             </a:fld>
             <a:endParaRPr lang="el-GR"/>
           </a:p>
@@ -1296,7 +1296,7 @@
           <a:p>
             <a:fld id="{F2853615-BFDE-46DE-814C-47EC6EF6D371}" type="datetimeFigureOut">
               <a:rPr lang="el-GR" smtClean="0"/>
-              <a:t>9/6/2018</a:t>
+              <a:t>14/6/2018</a:t>
             </a:fld>
             <a:endParaRPr lang="el-GR"/>
           </a:p>
@@ -1762,7 +1762,7 @@
           <a:p>
             <a:fld id="{F2853615-BFDE-46DE-814C-47EC6EF6D371}" type="datetimeFigureOut">
               <a:rPr lang="el-GR" smtClean="0"/>
-              <a:t>9/6/2018</a:t>
+              <a:t>14/6/2018</a:t>
             </a:fld>
             <a:endParaRPr lang="el-GR"/>
           </a:p>
@@ -1910,7 +1910,7 @@
           <a:p>
             <a:fld id="{F2853615-BFDE-46DE-814C-47EC6EF6D371}" type="datetimeFigureOut">
               <a:rPr lang="el-GR" smtClean="0"/>
-              <a:t>9/6/2018</a:t>
+              <a:t>14/6/2018</a:t>
             </a:fld>
             <a:endParaRPr lang="el-GR"/>
           </a:p>
@@ -2000,7 +2000,7 @@
           <a:p>
             <a:fld id="{F2853615-BFDE-46DE-814C-47EC6EF6D371}" type="datetimeFigureOut">
               <a:rPr lang="el-GR" smtClean="0"/>
-              <a:t>9/6/2018</a:t>
+              <a:t>14/6/2018</a:t>
             </a:fld>
             <a:endParaRPr lang="el-GR"/>
           </a:p>
@@ -2274,7 +2274,7 @@
           <a:p>
             <a:fld id="{F2853615-BFDE-46DE-814C-47EC6EF6D371}" type="datetimeFigureOut">
               <a:rPr lang="el-GR" smtClean="0"/>
-              <a:t>9/6/2018</a:t>
+              <a:t>14/6/2018</a:t>
             </a:fld>
             <a:endParaRPr lang="el-GR"/>
           </a:p>
@@ -2579,7 +2579,7 @@
           <a:p>
             <a:fld id="{F2853615-BFDE-46DE-814C-47EC6EF6D371}" type="datetimeFigureOut">
               <a:rPr lang="el-GR" smtClean="0"/>
-              <a:t>9/6/2018</a:t>
+              <a:t>14/6/2018</a:t>
             </a:fld>
             <a:endParaRPr lang="el-GR"/>
           </a:p>
@@ -2877,7 +2877,7 @@
           <a:p>
             <a:fld id="{F2853615-BFDE-46DE-814C-47EC6EF6D371}" type="datetimeFigureOut">
               <a:rPr lang="el-GR" smtClean="0"/>
-              <a:t>9/6/2018</a:t>
+              <a:t>14/6/2018</a:t>
             </a:fld>
             <a:endParaRPr lang="el-GR"/>
           </a:p>
@@ -3457,7 +3457,6 @@
               <a:rPr lang="en-US" dirty="0" smtClean="0"/>
               <a:t>Image style transfer</a:t>
             </a:r>
-            <a:endParaRPr lang="en-US" dirty="0" smtClean="0"/>
           </a:p>
           <a:p>
             <a:pPr lvl="1"/>
@@ -3557,14 +3556,12 @@
               <a:rPr lang="en-US" dirty="0" smtClean="0"/>
               <a:t>Visual Question Answering</a:t>
             </a:r>
-            <a:endParaRPr lang="en-US" dirty="0" smtClean="0"/>
           </a:p>
           <a:p>
             <a:r>
               <a:rPr lang="en-US" dirty="0" smtClean="0"/>
               <a:t>…</a:t>
             </a:r>
-            <a:endParaRPr lang="en-US" dirty="0" smtClean="0"/>
           </a:p>
         </p:txBody>
       </p:sp>
@@ -3636,57 +3633,20 @@
             <a:pPr algn="ctr"/>
             <a:r>
               <a:rPr lang="en-GB" dirty="0" smtClean="0"/>
-              <a:t>See demo at </a:t>
+              <a:t>See demo </a:t>
+            </a:r>
+            <a:r>
+              <a:rPr lang="en-GB" dirty="0" smtClean="0"/>
+              <a:t>at https</a:t>
             </a:r>
             <a:r>
               <a:rPr lang="en-GB" dirty="0"/>
-              <a:t>https://cs.stanford.edu/people/karpathy/deepimagesent/generationdemo/</a:t>
+              <a:t>://cs.stanford.edu/people/karpathy/deepimagesent/generationdemo/</a:t>
             </a:r>
             <a:endParaRPr lang="el-GR" dirty="0"/>
           </a:p>
         </p:txBody>
       </p:sp>
-      <p:pic>
-        <p:nvPicPr>
-          <p:cNvPr id="5124" name="Picture 4" descr="https://cs.stanford.edu/people/karpathy/deepimagesent/generationdemo/data/coco/imgs/COCO_val2014_000000110156.jpg"/>
-          <p:cNvPicPr>
-            <a:picLocks noChangeAspect="1" noChangeArrowheads="1"/>
-          </p:cNvPicPr>
-          <p:nvPr/>
-        </p:nvPicPr>
-        <p:blipFill>
-          <a:blip r:embed="rId2">
-            <a:extLst>
-              <a:ext uri="{28A0092B-C50C-407E-A947-70E740481C1C}">
-                <a14:useLocalDpi xmlns:a14="http://schemas.microsoft.com/office/drawing/2010/main" val="0"/>
-              </a:ext>
-            </a:extLst>
-          </a:blip>
-          <a:srcRect/>
-          <a:stretch>
-            <a:fillRect/>
-          </a:stretch>
-        </p:blipFill>
-        <p:spPr bwMode="auto">
-          <a:xfrm>
-            <a:off x="794799" y="2856739"/>
-            <a:ext cx="3810000" cy="2857500"/>
-          </a:xfrm>
-          <a:prstGeom prst="rect">
-            <a:avLst/>
-          </a:prstGeom>
-          <a:noFill/>
-          <a:extLst>
-            <a:ext uri="{909E8E84-426E-40DD-AFC4-6F175D3DCCD1}">
-              <a14:hiddenFill xmlns:a14="http://schemas.microsoft.com/office/drawing/2010/main">
-                <a:solidFill>
-                  <a:srgbClr val="FFFFFF"/>
-                </a:solidFill>
-              </a14:hiddenFill>
-            </a:ext>
-          </a:extLst>
-        </p:spPr>
-      </p:pic>
       <p:pic>
         <p:nvPicPr>
           <p:cNvPr id="5126" name="Picture 6" descr="https://vqa.cloudcv.org/static/images/img4.jpg"/>
@@ -3696,7 +3656,7 @@
           <p:nvPr/>
         </p:nvPicPr>
         <p:blipFill rotWithShape="1">
-          <a:blip r:embed="rId3">
+          <a:blip r:embed="rId2">
             <a:extLst>
               <a:ext uri="{28A0092B-C50C-407E-A947-70E740481C1C}">
                 <a14:useLocalDpi xmlns:a14="http://schemas.microsoft.com/office/drawing/2010/main" val="0"/>
@@ -3735,7 +3695,7 @@
           <p:nvPr/>
         </p:nvPicPr>
         <p:blipFill>
-          <a:blip r:embed="rId4">
+          <a:blip r:embed="rId3">
             <a:extLst>
               <a:ext uri="{28A0092B-C50C-407E-A947-70E740481C1C}">
                 <a14:useLocalDpi xmlns:a14="http://schemas.microsoft.com/office/drawing/2010/main" val="0"/>
@@ -3790,6 +3750,99 @@
           </a:extLst>
         </p:spPr>
       </p:pic>
+      <p:pic>
+        <p:nvPicPr>
+          <p:cNvPr id="1027" name="Picture 3"/>
+          <p:cNvPicPr>
+            <a:picLocks noChangeAspect="1" noChangeArrowheads="1"/>
+          </p:cNvPicPr>
+          <p:nvPr/>
+        </p:nvPicPr>
+        <p:blipFill rotWithShape="1">
+          <a:blip r:embed="rId4">
+            <a:extLst>
+              <a:ext uri="{28A0092B-C50C-407E-A947-70E740481C1C}">
+                <a14:useLocalDpi xmlns:a14="http://schemas.microsoft.com/office/drawing/2010/main" val="0"/>
+              </a:ext>
+            </a:extLst>
+          </a:blip>
+          <a:srcRect b="12106"/>
+          <a:stretch/>
+        </p:blipFill>
+        <p:spPr bwMode="auto">
+          <a:xfrm>
+            <a:off x="650695" y="2856739"/>
+            <a:ext cx="4130168" cy="2511579"/>
+          </a:xfrm>
+          <a:prstGeom prst="rect">
+            <a:avLst/>
+          </a:prstGeom>
+          <a:noFill/>
+          <a:ln>
+            <a:noFill/>
+          </a:ln>
+          <a:effectLst/>
+          <a:extLst>
+            <a:ext uri="{909E8E84-426E-40DD-AFC4-6F175D3DCCD1}">
+              <a14:hiddenFill xmlns:a14="http://schemas.microsoft.com/office/drawing/2010/main">
+                <a:solidFill>
+                  <a:schemeClr val="accent1"/>
+                </a:solidFill>
+              </a14:hiddenFill>
+            </a:ext>
+            <a:ext uri="{91240B29-F687-4F45-9708-019B960494DF}">
+              <a14:hiddenLine xmlns:a14="http://schemas.microsoft.com/office/drawing/2010/main" w="9525">
+                <a:solidFill>
+                  <a:schemeClr val="tx1"/>
+                </a:solidFill>
+                <a:miter lim="800000"/>
+                <a:headEnd/>
+                <a:tailEnd/>
+              </a14:hiddenLine>
+            </a:ext>
+            <a:ext uri="{AF507438-7753-43E0-B8FC-AC1667EBCBE1}">
+              <a14:hiddenEffects xmlns:a14="http://schemas.microsoft.com/office/drawing/2010/main">
+                <a:effectLst>
+                  <a:outerShdw dist="35921" dir="2700000" algn="ctr" rotWithShape="0">
+                    <a:schemeClr val="bg2"/>
+                  </a:outerShdw>
+                </a:effectLst>
+              </a14:hiddenEffects>
+            </a:ext>
+          </a:extLst>
+        </p:spPr>
+      </p:pic>
+      <p:sp>
+        <p:nvSpPr>
+          <p:cNvPr id="11" name="TextBox 10"/>
+          <p:cNvSpPr txBox="1"/>
+          <p:nvPr/>
+        </p:nvSpPr>
+        <p:spPr>
+          <a:xfrm>
+            <a:off x="642603" y="5368318"/>
+            <a:ext cx="4146352" cy="338554"/>
+          </a:xfrm>
+          <a:prstGeom prst="rect">
+            <a:avLst/>
+          </a:prstGeom>
+          <a:noFill/>
+        </p:spPr>
+        <p:txBody>
+          <a:bodyPr wrap="square" rtlCol="0">
+            <a:spAutoFit/>
+          </a:bodyPr>
+          <a:lstStyle/>
+          <a:p>
+            <a:pPr algn="ctr"/>
+            <a:r>
+              <a:rPr lang="en-GB" sz="1600" dirty="0" smtClean="0"/>
+              <a:t>A person skiing down a snow covered slope</a:t>
+            </a:r>
+            <a:endParaRPr lang="el-GR" sz="1600" dirty="0"/>
+          </a:p>
+        </p:txBody>
+      </p:sp>
     </p:spTree>
     <p:extLst>
       <p:ext uri="{BB962C8B-B14F-4D97-AF65-F5344CB8AC3E}">
@@ -3915,7 +3968,6 @@
               <a:rPr lang="en-US" dirty="0" smtClean="0"/>
               <a:t>…</a:t>
             </a:r>
-            <a:endParaRPr lang="en-US" dirty="0" smtClean="0"/>
           </a:p>
         </p:txBody>
       </p:sp>
@@ -4051,17 +4103,65 @@
           </a:bodyPr>
           <a:lstStyle/>
           <a:p>
-            <a:r>
-              <a:rPr lang="en-US" dirty="0" smtClean="0"/>
-              <a:t>Now you know!</a:t>
-            </a:r>
-          </a:p>
-          <a:p>
-            <a:r>
-              <a:rPr lang="en-US" dirty="0" smtClean="0"/>
-              <a:t>Use your power for good</a:t>
-            </a:r>
-            <a:endParaRPr lang="en-US" dirty="0" smtClean="0"/>
+            <a:pPr marL="0" indent="0">
+              <a:buNone/>
+            </a:pPr>
+            <a:endParaRPr lang="en-US" sz="1800" dirty="0" smtClean="0"/>
+          </a:p>
+          <a:p>
+            <a:pPr marL="0" indent="0">
+              <a:buNone/>
+            </a:pPr>
+            <a:endParaRPr lang="en-US" sz="1800" dirty="0" smtClean="0"/>
+          </a:p>
+          <a:p>
+            <a:pPr marL="0" indent="0">
+              <a:buNone/>
+            </a:pPr>
+            <a:endParaRPr lang="en-US" sz="1800" dirty="0"/>
+          </a:p>
+          <a:p>
+            <a:pPr marL="0" indent="0">
+              <a:buNone/>
+            </a:pPr>
+            <a:endParaRPr lang="en-US" sz="1800" dirty="0"/>
+          </a:p>
+          <a:p>
+            <a:pPr marL="0" indent="0" algn="ctr">
+              <a:buNone/>
+            </a:pPr>
+            <a:r>
+              <a:rPr lang="en-US" sz="2800" dirty="0" smtClean="0"/>
+              <a:t>Now </a:t>
+            </a:r>
+            <a:r>
+              <a:rPr lang="en-US" sz="2800" dirty="0" smtClean="0"/>
+              <a:t>you know!</a:t>
+            </a:r>
+          </a:p>
+          <a:p>
+            <a:pPr marL="0" indent="0" algn="ctr">
+              <a:buNone/>
+            </a:pPr>
+            <a:endParaRPr lang="en-US" sz="2800" dirty="0" smtClean="0"/>
+          </a:p>
+          <a:p>
+            <a:pPr marL="0" indent="0" algn="ctr">
+              <a:buNone/>
+            </a:pPr>
+            <a:r>
+              <a:rPr lang="en-US" sz="2800" dirty="0" smtClean="0"/>
+              <a:t>Use </a:t>
+            </a:r>
+            <a:r>
+              <a:rPr lang="en-US" sz="2800" dirty="0" smtClean="0"/>
+              <a:t>your power for </a:t>
+            </a:r>
+            <a:r>
+              <a:rPr lang="en-US" sz="2800" dirty="0" smtClean="0"/>
+              <a:t>good!</a:t>
+            </a:r>
+            <a:endParaRPr lang="en-US" sz="2800" dirty="0" smtClean="0"/>
           </a:p>
         </p:txBody>
       </p:sp>

--- a/presentations/Summary.pptx
+++ b/presentations/Summary.pptx
@@ -299,7 +299,7 @@
           <a:p>
             <a:fld id="{F2853615-BFDE-46DE-814C-47EC6EF6D371}" type="datetimeFigureOut">
               <a:rPr lang="el-GR" smtClean="0"/>
-              <a:t>14/6/2018</a:t>
+              <a:t>15/6/2018</a:t>
             </a:fld>
             <a:endParaRPr lang="el-GR"/>
           </a:p>
@@ -499,7 +499,7 @@
           <a:p>
             <a:fld id="{F2853615-BFDE-46DE-814C-47EC6EF6D371}" type="datetimeFigureOut">
               <a:rPr lang="el-GR" smtClean="0"/>
-              <a:t>14/6/2018</a:t>
+              <a:t>15/6/2018</a:t>
             </a:fld>
             <a:endParaRPr lang="el-GR"/>
           </a:p>
@@ -674,7 +674,7 @@
           <a:p>
             <a:fld id="{F2853615-BFDE-46DE-814C-47EC6EF6D371}" type="datetimeFigureOut">
               <a:rPr lang="el-GR" smtClean="0"/>
-              <a:t>14/6/2018</a:t>
+              <a:t>15/6/2018</a:t>
             </a:fld>
             <a:endParaRPr lang="el-GR"/>
           </a:p>
@@ -839,7 +839,7 @@
           <a:p>
             <a:fld id="{F2853615-BFDE-46DE-814C-47EC6EF6D371}" type="datetimeFigureOut">
               <a:rPr lang="el-GR" smtClean="0"/>
-              <a:t>14/6/2018</a:t>
+              <a:t>15/6/2018</a:t>
             </a:fld>
             <a:endParaRPr lang="el-GR"/>
           </a:p>
@@ -978,7 +978,7 @@
           <a:p>
             <a:fld id="{F2853615-BFDE-46DE-814C-47EC6EF6D371}" type="datetimeFigureOut">
               <a:rPr lang="el-GR" smtClean="0"/>
-              <a:t>14/6/2018</a:t>
+              <a:t>15/6/2018</a:t>
             </a:fld>
             <a:endParaRPr lang="el-GR"/>
           </a:p>
@@ -1296,7 +1296,7 @@
           <a:p>
             <a:fld id="{F2853615-BFDE-46DE-814C-47EC6EF6D371}" type="datetimeFigureOut">
               <a:rPr lang="el-GR" smtClean="0"/>
-              <a:t>14/6/2018</a:t>
+              <a:t>15/6/2018</a:t>
             </a:fld>
             <a:endParaRPr lang="el-GR"/>
           </a:p>
@@ -1762,7 +1762,7 @@
           <a:p>
             <a:fld id="{F2853615-BFDE-46DE-814C-47EC6EF6D371}" type="datetimeFigureOut">
               <a:rPr lang="el-GR" smtClean="0"/>
-              <a:t>14/6/2018</a:t>
+              <a:t>15/6/2018</a:t>
             </a:fld>
             <a:endParaRPr lang="el-GR"/>
           </a:p>
@@ -1910,7 +1910,7 @@
           <a:p>
             <a:fld id="{F2853615-BFDE-46DE-814C-47EC6EF6D371}" type="datetimeFigureOut">
               <a:rPr lang="el-GR" smtClean="0"/>
-              <a:t>14/6/2018</a:t>
+              <a:t>15/6/2018</a:t>
             </a:fld>
             <a:endParaRPr lang="el-GR"/>
           </a:p>
@@ -2000,7 +2000,7 @@
           <a:p>
             <a:fld id="{F2853615-BFDE-46DE-814C-47EC6EF6D371}" type="datetimeFigureOut">
               <a:rPr lang="el-GR" smtClean="0"/>
-              <a:t>14/6/2018</a:t>
+              <a:t>15/6/2018</a:t>
             </a:fld>
             <a:endParaRPr lang="el-GR"/>
           </a:p>
@@ -2274,7 +2274,7 @@
           <a:p>
             <a:fld id="{F2853615-BFDE-46DE-814C-47EC6EF6D371}" type="datetimeFigureOut">
               <a:rPr lang="el-GR" smtClean="0"/>
-              <a:t>14/6/2018</a:t>
+              <a:t>15/6/2018</a:t>
             </a:fld>
             <a:endParaRPr lang="el-GR"/>
           </a:p>
@@ -2579,7 +2579,7 @@
           <a:p>
             <a:fld id="{F2853615-BFDE-46DE-814C-47EC6EF6D371}" type="datetimeFigureOut">
               <a:rPr lang="el-GR" smtClean="0"/>
-              <a:t>14/6/2018</a:t>
+              <a:t>15/6/2018</a:t>
             </a:fld>
             <a:endParaRPr lang="el-GR"/>
           </a:p>
@@ -2877,7 +2877,7 @@
           <a:p>
             <a:fld id="{F2853615-BFDE-46DE-814C-47EC6EF6D371}" type="datetimeFigureOut">
               <a:rPr lang="el-GR" smtClean="0"/>
-              <a:t>14/6/2018</a:t>
+              <a:t>15/6/2018</a:t>
             </a:fld>
             <a:endParaRPr lang="el-GR"/>
           </a:p>
@@ -3633,11 +3633,7 @@
             <a:pPr algn="ctr"/>
             <a:r>
               <a:rPr lang="en-GB" dirty="0" smtClean="0"/>
-              <a:t>See demo </a:t>
-            </a:r>
-            <a:r>
-              <a:rPr lang="en-GB" dirty="0" smtClean="0"/>
-              <a:t>at https</a:t>
+              <a:t>See demo at https</a:t>
             </a:r>
             <a:r>
               <a:rPr lang="en-GB" dirty="0"/>
@@ -3948,8 +3944,19 @@
           <a:p>
             <a:r>
               <a:rPr lang="en-US" dirty="0"/>
-              <a:t>Self-driving cars</a:t>
-            </a:r>
+              <a:t>Self-driving </a:t>
+            </a:r>
+            <a:r>
+              <a:rPr lang="en-US" dirty="0" smtClean="0"/>
+              <a:t>cars</a:t>
+            </a:r>
+          </a:p>
+          <a:p>
+            <a:r>
+              <a:rPr lang="en-US" dirty="0" smtClean="0"/>
+              <a:t>More advanced game playing</a:t>
+            </a:r>
+            <a:endParaRPr lang="en-US" dirty="0"/>
           </a:p>
           <a:p>
             <a:r>
@@ -3979,8 +3986,8 @@
         </p:nvSpPr>
         <p:spPr>
           <a:xfrm>
-            <a:off x="529469" y="4437112"/>
-            <a:ext cx="8099577" cy="1200329"/>
+            <a:off x="529469" y="4904000"/>
+            <a:ext cx="8099577" cy="1477328"/>
           </a:xfrm>
           <a:prstGeom prst="rect">
             <a:avLst/>
@@ -3995,6 +4002,12 @@
             <a:r>
               <a:rPr lang="en-GB" dirty="0" smtClean="0"/>
               <a:t>Check:</a:t>
+            </a:r>
+          </a:p>
+          <a:p>
+            <a:r>
+              <a:rPr lang="en-GB" dirty="0"/>
+              <a:t>- https://www.youtube.com/watch?v=V1eYniJ0Rnk</a:t>
             </a:r>
           </a:p>
           <a:p>
@@ -4132,11 +4145,7 @@
             </a:pPr>
             <a:r>
               <a:rPr lang="en-US" sz="2800" dirty="0" smtClean="0"/>
-              <a:t>Now </a:t>
-            </a:r>
-            <a:r>
-              <a:rPr lang="en-US" sz="2800" dirty="0" smtClean="0"/>
-              <a:t>you know!</a:t>
+              <a:t>Now you know!</a:t>
             </a:r>
           </a:p>
           <a:p>
@@ -4151,17 +4160,8 @@
             </a:pPr>
             <a:r>
               <a:rPr lang="en-US" sz="2800" dirty="0" smtClean="0"/>
-              <a:t>Use </a:t>
-            </a:r>
-            <a:r>
-              <a:rPr lang="en-US" sz="2800" dirty="0" smtClean="0"/>
-              <a:t>your power for </a:t>
-            </a:r>
-            <a:r>
-              <a:rPr lang="en-US" sz="2800" dirty="0" smtClean="0"/>
-              <a:t>good!</a:t>
-            </a:r>
-            <a:endParaRPr lang="en-US" sz="2800" dirty="0" smtClean="0"/>
+              <a:t>Use your power for good!</a:t>
+            </a:r>
           </a:p>
         </p:txBody>
       </p:sp>

--- a/presentations/Summary.pptx
+++ b/presentations/Summary.pptx
@@ -299,7 +299,7 @@
           <a:p>
             <a:fld id="{F2853615-BFDE-46DE-814C-47EC6EF6D371}" type="datetimeFigureOut">
               <a:rPr lang="el-GR" smtClean="0"/>
-              <a:t>15/6/2018</a:t>
+              <a:t>1/6/2019</a:t>
             </a:fld>
             <a:endParaRPr lang="el-GR"/>
           </a:p>
@@ -499,7 +499,7 @@
           <a:p>
             <a:fld id="{F2853615-BFDE-46DE-814C-47EC6EF6D371}" type="datetimeFigureOut">
               <a:rPr lang="el-GR" smtClean="0"/>
-              <a:t>15/6/2018</a:t>
+              <a:t>1/6/2019</a:t>
             </a:fld>
             <a:endParaRPr lang="el-GR"/>
           </a:p>
@@ -674,7 +674,7 @@
           <a:p>
             <a:fld id="{F2853615-BFDE-46DE-814C-47EC6EF6D371}" type="datetimeFigureOut">
               <a:rPr lang="el-GR" smtClean="0"/>
-              <a:t>15/6/2018</a:t>
+              <a:t>1/6/2019</a:t>
             </a:fld>
             <a:endParaRPr lang="el-GR"/>
           </a:p>
@@ -839,7 +839,7 @@
           <a:p>
             <a:fld id="{F2853615-BFDE-46DE-814C-47EC6EF6D371}" type="datetimeFigureOut">
               <a:rPr lang="el-GR" smtClean="0"/>
-              <a:t>15/6/2018</a:t>
+              <a:t>1/6/2019</a:t>
             </a:fld>
             <a:endParaRPr lang="el-GR"/>
           </a:p>
@@ -978,7 +978,7 @@
           <a:p>
             <a:fld id="{F2853615-BFDE-46DE-814C-47EC6EF6D371}" type="datetimeFigureOut">
               <a:rPr lang="el-GR" smtClean="0"/>
-              <a:t>15/6/2018</a:t>
+              <a:t>1/6/2019</a:t>
             </a:fld>
             <a:endParaRPr lang="el-GR"/>
           </a:p>
@@ -1296,7 +1296,7 @@
           <a:p>
             <a:fld id="{F2853615-BFDE-46DE-814C-47EC6EF6D371}" type="datetimeFigureOut">
               <a:rPr lang="el-GR" smtClean="0"/>
-              <a:t>15/6/2018</a:t>
+              <a:t>1/6/2019</a:t>
             </a:fld>
             <a:endParaRPr lang="el-GR"/>
           </a:p>
@@ -1762,7 +1762,7 @@
           <a:p>
             <a:fld id="{F2853615-BFDE-46DE-814C-47EC6EF6D371}" type="datetimeFigureOut">
               <a:rPr lang="el-GR" smtClean="0"/>
-              <a:t>15/6/2018</a:t>
+              <a:t>1/6/2019</a:t>
             </a:fld>
             <a:endParaRPr lang="el-GR"/>
           </a:p>
@@ -1910,7 +1910,7 @@
           <a:p>
             <a:fld id="{F2853615-BFDE-46DE-814C-47EC6EF6D371}" type="datetimeFigureOut">
               <a:rPr lang="el-GR" smtClean="0"/>
-              <a:t>15/6/2018</a:t>
+              <a:t>1/6/2019</a:t>
             </a:fld>
             <a:endParaRPr lang="el-GR"/>
           </a:p>
@@ -2000,7 +2000,7 @@
           <a:p>
             <a:fld id="{F2853615-BFDE-46DE-814C-47EC6EF6D371}" type="datetimeFigureOut">
               <a:rPr lang="el-GR" smtClean="0"/>
-              <a:t>15/6/2018</a:t>
+              <a:t>1/6/2019</a:t>
             </a:fld>
             <a:endParaRPr lang="el-GR"/>
           </a:p>
@@ -2274,7 +2274,7 @@
           <a:p>
             <a:fld id="{F2853615-BFDE-46DE-814C-47EC6EF6D371}" type="datetimeFigureOut">
               <a:rPr lang="el-GR" smtClean="0"/>
-              <a:t>15/6/2018</a:t>
+              <a:t>1/6/2019</a:t>
             </a:fld>
             <a:endParaRPr lang="el-GR"/>
           </a:p>
@@ -2579,7 +2579,7 @@
           <a:p>
             <a:fld id="{F2853615-BFDE-46DE-814C-47EC6EF6D371}" type="datetimeFigureOut">
               <a:rPr lang="el-GR" smtClean="0"/>
-              <a:t>15/6/2018</a:t>
+              <a:t>1/6/2019</a:t>
             </a:fld>
             <a:endParaRPr lang="el-GR"/>
           </a:p>
@@ -2877,7 +2877,7 @@
           <a:p>
             <a:fld id="{F2853615-BFDE-46DE-814C-47EC6EF6D371}" type="datetimeFigureOut">
               <a:rPr lang="el-GR" smtClean="0"/>
-              <a:t>15/6/2018</a:t>
+              <a:t>1/6/2019</a:t>
             </a:fld>
             <a:endParaRPr lang="el-GR"/>
           </a:p>
@@ -3986,8 +3986,8 @@
         </p:nvSpPr>
         <p:spPr>
           <a:xfrm>
-            <a:off x="529469" y="4904000"/>
-            <a:ext cx="8099577" cy="1477328"/>
+            <a:off x="529469" y="4840132"/>
+            <a:ext cx="8099577" cy="1754326"/>
           </a:xfrm>
           <a:prstGeom prst="rect">
             <a:avLst/>
@@ -4006,9 +4006,24 @@
           </a:p>
           <a:p>
             <a:r>
+              <a:rPr lang="en-GB" dirty="0" smtClean="0"/>
+              <a:t>- https</a:t>
+            </a:r>
+            <a:r>
               <a:rPr lang="en-GB" dirty="0"/>
-              <a:t>- https://www.youtube.com/watch?v=V1eYniJ0Rnk</a:t>
-            </a:r>
+              <a:t>://</a:t>
+            </a:r>
+            <a:r>
+              <a:rPr lang="en-GB" dirty="0" smtClean="0"/>
+              <a:t>www.youtube.com/watch?v=V1eYniJ0Rnk</a:t>
+            </a:r>
+          </a:p>
+          <a:p>
+            <a:r>
+              <a:rPr lang="en-GB" dirty="0"/>
+              <a:t>- https://experiments.withgoogle.com/collection/ai</a:t>
+            </a:r>
+            <a:endParaRPr lang="en-GB" dirty="0"/>
           </a:p>
           <a:p>
             <a:r>
